--- a/docs/Presentación.pptx
+++ b/docs/Presentación.pptx
@@ -14,11 +14,14 @@
     <p:sldId id="262" r:id="rId8"/>
     <p:sldId id="263" r:id="rId9"/>
     <p:sldId id="264" r:id="rId10"/>
-    <p:sldId id="265" r:id="rId11"/>
-    <p:sldId id="266" r:id="rId12"/>
-    <p:sldId id="267" r:id="rId13"/>
-    <p:sldId id="268" r:id="rId14"/>
-    <p:sldId id="269" r:id="rId15"/>
+    <p:sldId id="270" r:id="rId11"/>
+    <p:sldId id="265" r:id="rId12"/>
+    <p:sldId id="266" r:id="rId13"/>
+    <p:sldId id="271" r:id="rId14"/>
+    <p:sldId id="272" r:id="rId15"/>
+    <p:sldId id="267" r:id="rId16"/>
+    <p:sldId id="268" r:id="rId17"/>
+    <p:sldId id="269" r:id="rId18"/>
   </p:sldIdLst>
   <p:sldSz cx="12192000" cy="6858000"/>
   <p:notesSz cx="6858000" cy="9144000"/>
@@ -848,7 +851,7 @@
             <a:fld id="{B61BEF0D-F0BB-DE4B-95CE-6DB70DBA9567}" type="datetimeFigureOut">
               <a:rPr lang="en-US" dirty="0"/>
               <a:pPr/>
-              <a:t>2/8/2016</a:t>
+              <a:t>2/12/2016</a:t>
             </a:fld>
             <a:endParaRPr lang="en-US" dirty="0"/>
           </a:p>
@@ -1096,7 +1099,7 @@
             <a:fld id="{B61BEF0D-F0BB-DE4B-95CE-6DB70DBA9567}" type="datetimeFigureOut">
               <a:rPr lang="en-US" dirty="0"/>
               <a:pPr/>
-              <a:t>2/8/2016</a:t>
+              <a:t>2/12/2016</a:t>
             </a:fld>
             <a:endParaRPr lang="en-US" dirty="0"/>
           </a:p>
@@ -1407,7 +1410,7 @@
             <a:fld id="{B61BEF0D-F0BB-DE4B-95CE-6DB70DBA9567}" type="datetimeFigureOut">
               <a:rPr lang="en-US" dirty="0"/>
               <a:pPr/>
-              <a:t>2/8/2016</a:t>
+              <a:t>2/12/2016</a:t>
             </a:fld>
             <a:endParaRPr lang="en-US" dirty="0"/>
           </a:p>
@@ -1745,7 +1748,7 @@
             <a:fld id="{B61BEF0D-F0BB-DE4B-95CE-6DB70DBA9567}" type="datetimeFigureOut">
               <a:rPr lang="en-US" dirty="0"/>
               <a:pPr/>
-              <a:t>2/8/2016</a:t>
+              <a:t>2/12/2016</a:t>
             </a:fld>
             <a:endParaRPr lang="en-US" dirty="0"/>
           </a:p>
@@ -2056,7 +2059,7 @@
             <a:fld id="{B61BEF0D-F0BB-DE4B-95CE-6DB70DBA9567}" type="datetimeFigureOut">
               <a:rPr lang="en-US" dirty="0"/>
               <a:pPr/>
-              <a:t>2/8/2016</a:t>
+              <a:t>2/12/2016</a:t>
             </a:fld>
             <a:endParaRPr lang="en-US" dirty="0"/>
           </a:p>
@@ -2446,7 +2449,7 @@
             <a:fld id="{B61BEF0D-F0BB-DE4B-95CE-6DB70DBA9567}" type="datetimeFigureOut">
               <a:rPr lang="en-US" dirty="0"/>
               <a:pPr/>
-              <a:t>2/8/2016</a:t>
+              <a:t>2/12/2016</a:t>
             </a:fld>
             <a:endParaRPr lang="en-US" dirty="0"/>
           </a:p>
@@ -2612,7 +2615,7 @@
           <a:p>
             <a:fld id="{55C6B4A9-1611-4792-9094-5F34BCA07E0B}" type="datetimeFigureOut">
               <a:rPr lang="en-US" dirty="0"/>
-              <a:t>2/8/2016</a:t>
+              <a:t>2/12/2016</a:t>
             </a:fld>
             <a:endParaRPr lang="en-US" dirty="0"/>
           </a:p>
@@ -2788,7 +2791,7 @@
             <a:fld id="{B61BEF0D-F0BB-DE4B-95CE-6DB70DBA9567}" type="datetimeFigureOut">
               <a:rPr lang="en-US" dirty="0"/>
               <a:pPr/>
-              <a:t>2/8/2016</a:t>
+              <a:t>2/12/2016</a:t>
             </a:fld>
             <a:endParaRPr lang="en-US" dirty="0"/>
           </a:p>
@@ -2961,7 +2964,7 @@
             <a:fld id="{B61BEF0D-F0BB-DE4B-95CE-6DB70DBA9567}" type="datetimeFigureOut">
               <a:rPr lang="en-US" dirty="0"/>
               <a:pPr/>
-              <a:t>2/8/2016</a:t>
+              <a:t>2/12/2016</a:t>
             </a:fld>
             <a:endParaRPr lang="en-US" dirty="0"/>
           </a:p>
@@ -3205,7 +3208,7 @@
             <a:fld id="{B61BEF0D-F0BB-DE4B-95CE-6DB70DBA9567}" type="datetimeFigureOut">
               <a:rPr lang="en-US" dirty="0"/>
               <a:pPr/>
-              <a:t>2/8/2016</a:t>
+              <a:t>2/12/2016</a:t>
             </a:fld>
             <a:endParaRPr lang="en-US" dirty="0"/>
           </a:p>
@@ -3433,7 +3436,7 @@
           <a:p>
             <a:fld id="{EB712588-04B1-427B-82EE-E8DB90309F08}" type="datetimeFigureOut">
               <a:rPr lang="en-US" dirty="0"/>
-              <a:t>2/8/2016</a:t>
+              <a:t>2/12/2016</a:t>
             </a:fld>
             <a:endParaRPr lang="en-US" dirty="0"/>
           </a:p>
@@ -3803,7 +3806,7 @@
             <a:fld id="{B61BEF0D-F0BB-DE4B-95CE-6DB70DBA9567}" type="datetimeFigureOut">
               <a:rPr lang="en-US" dirty="0"/>
               <a:pPr/>
-              <a:t>2/8/2016</a:t>
+              <a:t>2/12/2016</a:t>
             </a:fld>
             <a:endParaRPr lang="en-US" dirty="0"/>
           </a:p>
@@ -3923,7 +3926,7 @@
             <a:fld id="{B61BEF0D-F0BB-DE4B-95CE-6DB70DBA9567}" type="datetimeFigureOut">
               <a:rPr lang="en-US" dirty="0"/>
               <a:pPr/>
-              <a:t>2/8/2016</a:t>
+              <a:t>2/12/2016</a:t>
             </a:fld>
             <a:endParaRPr lang="en-US" dirty="0"/>
           </a:p>
@@ -4015,7 +4018,7 @@
             <a:fld id="{B61BEF0D-F0BB-DE4B-95CE-6DB70DBA9567}" type="datetimeFigureOut">
               <a:rPr lang="en-US" dirty="0"/>
               <a:pPr/>
-              <a:t>2/8/2016</a:t>
+              <a:t>2/12/2016</a:t>
             </a:fld>
             <a:endParaRPr lang="en-US" dirty="0"/>
           </a:p>
@@ -4266,7 +4269,7 @@
           <a:p>
             <a:fld id="{42A54C80-263E-416B-A8E0-580EDEADCBDC}" type="datetimeFigureOut">
               <a:rPr lang="en-US" dirty="0"/>
-              <a:t>2/8/2016</a:t>
+              <a:t>2/12/2016</a:t>
             </a:fld>
             <a:endParaRPr lang="en-US" dirty="0"/>
           </a:p>
@@ -4525,7 +4528,7 @@
             <a:fld id="{B61BEF0D-F0BB-DE4B-95CE-6DB70DBA9567}" type="datetimeFigureOut">
               <a:rPr lang="en-US" dirty="0"/>
               <a:pPr/>
-              <a:t>2/8/2016</a:t>
+              <a:t>2/12/2016</a:t>
             </a:fld>
             <a:endParaRPr lang="en-US" dirty="0"/>
           </a:p>
@@ -5265,7 +5268,7 @@
             <a:fld id="{B61BEF0D-F0BB-DE4B-95CE-6DB70DBA9567}" type="datetimeFigureOut">
               <a:rPr lang="en-US" dirty="0"/>
               <a:pPr/>
-              <a:t>2/8/2016</a:t>
+              <a:t>2/12/2016</a:t>
             </a:fld>
             <a:endParaRPr lang="en-US" dirty="0"/>
           </a:p>
@@ -5984,6 +5987,277 @@
         </p:nvSpPr>
         <p:spPr>
           <a:xfrm>
+            <a:off x="98854" y="609600"/>
+            <a:ext cx="10511481" cy="749643"/>
+          </a:xfrm>
+        </p:spPr>
+        <p:txBody>
+          <a:bodyPr/>
+          <a:lstStyle/>
+          <a:p>
+            <a:pPr algn="ctr"/>
+            <a:r>
+              <a:rPr lang="es-AR" dirty="0" smtClean="0"/>
+              <a:t>Menú Principal</a:t>
+            </a:r>
+            <a:endParaRPr lang="es-AR" dirty="0"/>
+          </a:p>
+        </p:txBody>
+      </p:sp>
+      <p:sp>
+        <p:nvSpPr>
+          <p:cNvPr id="3" name="Marcador de contenido 2"/>
+          <p:cNvSpPr>
+            <a:spLocks noGrp="1"/>
+          </p:cNvSpPr>
+          <p:nvPr>
+            <p:ph sz="half" idx="1"/>
+          </p:nvPr>
+        </p:nvSpPr>
+        <p:spPr>
+          <a:xfrm>
+            <a:off x="257206" y="1573428"/>
+            <a:ext cx="6736718" cy="3134344"/>
+          </a:xfrm>
+        </p:spPr>
+        <p:txBody>
+          <a:bodyPr>
+            <a:normAutofit/>
+          </a:bodyPr>
+          <a:lstStyle/>
+          <a:p>
+            <a:pPr marL="0" indent="0">
+              <a:buNone/>
+            </a:pPr>
+            <a:r>
+              <a:rPr lang="es-AR" dirty="0" smtClean="0"/>
+              <a:t>Para moverse por </a:t>
+            </a:r>
+            <a:r>
+              <a:rPr lang="es-AR" dirty="0"/>
+              <a:t>las funciones </a:t>
+            </a:r>
+            <a:r>
+              <a:rPr lang="es-AR" dirty="0" smtClean="0"/>
+              <a:t>se utilizan los </a:t>
+            </a:r>
+            <a:r>
+              <a:rPr lang="es-AR" dirty="0"/>
+              <a:t>botones 4 y 6 (las flechitas</a:t>
+            </a:r>
+            <a:r>
+              <a:rPr lang="es-AR" dirty="0" smtClean="0"/>
+              <a:t>), al llegar a la ultima función el circulo vuelve a empezar. Para seleccionar </a:t>
+            </a:r>
+            <a:r>
+              <a:rPr lang="es-AR" dirty="0"/>
+              <a:t>una </a:t>
+            </a:r>
+            <a:r>
+              <a:rPr lang="es-AR" dirty="0" smtClean="0"/>
+              <a:t>función debe presionarse la </a:t>
+            </a:r>
+            <a:r>
+              <a:rPr lang="es-AR" dirty="0"/>
+              <a:t>tecla OK.</a:t>
+            </a:r>
+          </a:p>
+          <a:p>
+            <a:pPr marL="0" indent="0">
+              <a:buNone/>
+            </a:pPr>
+            <a:endParaRPr lang="es-AR" dirty="0" smtClean="0"/>
+          </a:p>
+          <a:p>
+            <a:pPr marL="0" indent="0">
+              <a:buNone/>
+            </a:pPr>
+            <a:r>
+              <a:rPr lang="es-AR" dirty="0" smtClean="0"/>
+              <a:t>Las funciones son:</a:t>
+            </a:r>
+          </a:p>
+          <a:p>
+            <a:pPr lvl="1"/>
+            <a:r>
+              <a:rPr lang="es-AR" dirty="0" smtClean="0"/>
+              <a:t>Escribir Texto</a:t>
+            </a:r>
+          </a:p>
+          <a:p>
+            <a:pPr lvl="1"/>
+            <a:r>
+              <a:rPr lang="es-AR" dirty="0" smtClean="0"/>
+              <a:t>Enviar Texto</a:t>
+            </a:r>
+          </a:p>
+          <a:p>
+            <a:pPr lvl="1"/>
+            <a:r>
+              <a:rPr lang="es-AR" dirty="0" smtClean="0"/>
+              <a:t>Velocidad Matriz</a:t>
+            </a:r>
+            <a:endParaRPr lang="es-AR" dirty="0"/>
+          </a:p>
+        </p:txBody>
+      </p:sp>
+      <p:pic>
+        <p:nvPicPr>
+          <p:cNvPr id="10" name="Imagen 9"/>
+          <p:cNvPicPr>
+            <a:picLocks noChangeAspect="1"/>
+          </p:cNvPicPr>
+          <p:nvPr/>
+        </p:nvPicPr>
+        <p:blipFill>
+          <a:blip r:embed="rId2"/>
+          <a:stretch>
+            <a:fillRect/>
+          </a:stretch>
+        </p:blipFill>
+        <p:spPr>
+          <a:xfrm>
+            <a:off x="257205" y="5054348"/>
+            <a:ext cx="3181833" cy="1430006"/>
+          </a:xfrm>
+          <a:prstGeom prst="rect">
+            <a:avLst/>
+          </a:prstGeom>
+        </p:spPr>
+      </p:pic>
+      <p:pic>
+        <p:nvPicPr>
+          <p:cNvPr id="11" name="Imagen 10"/>
+          <p:cNvPicPr>
+            <a:picLocks noChangeAspect="1"/>
+          </p:cNvPicPr>
+          <p:nvPr/>
+        </p:nvPicPr>
+        <p:blipFill>
+          <a:blip r:embed="rId3"/>
+          <a:stretch>
+            <a:fillRect/>
+          </a:stretch>
+        </p:blipFill>
+        <p:spPr>
+          <a:xfrm>
+            <a:off x="3723407" y="5054348"/>
+            <a:ext cx="3173594" cy="1426303"/>
+          </a:xfrm>
+          <a:prstGeom prst="rect">
+            <a:avLst/>
+          </a:prstGeom>
+        </p:spPr>
+      </p:pic>
+      <p:pic>
+        <p:nvPicPr>
+          <p:cNvPr id="12" name="Imagen 11"/>
+          <p:cNvPicPr>
+            <a:picLocks noChangeAspect="1"/>
+          </p:cNvPicPr>
+          <p:nvPr/>
+        </p:nvPicPr>
+        <p:blipFill>
+          <a:blip r:embed="rId4"/>
+          <a:stretch>
+            <a:fillRect/>
+          </a:stretch>
+        </p:blipFill>
+        <p:spPr>
+          <a:xfrm>
+            <a:off x="7181369" y="5050646"/>
+            <a:ext cx="3181830" cy="1430005"/>
+          </a:xfrm>
+          <a:prstGeom prst="rect">
+            <a:avLst/>
+          </a:prstGeom>
+        </p:spPr>
+      </p:pic>
+      <p:pic>
+        <p:nvPicPr>
+          <p:cNvPr id="13" name="Picture 2" descr="https://lh3.googleusercontent.com/l2tTZUJbtH2LTW8fVUfTtU5uK5A-EpDKM32dWstDeZH6it3CuLCY-xSrg0NIa5kdqr5y5Ole9MJ-9ylyhnoWXMT4sbXE1GGMyxo0VGAxe-4O2KLTlGSG6peFq3O2w9m18G4Eo_ZK"/>
+          <p:cNvPicPr>
+            <a:picLocks noGrp="1" noChangeAspect="1" noChangeArrowheads="1"/>
+          </p:cNvPicPr>
+          <p:nvPr>
+            <p:ph sz="half" idx="2"/>
+          </p:nvPr>
+        </p:nvPicPr>
+        <p:blipFill>
+          <a:blip r:embed="rId5">
+            <a:extLst>
+              <a:ext uri="{28A0092B-C50C-407E-A947-70E740481C1C}">
+                <a14:useLocalDpi xmlns:a14="http://schemas.microsoft.com/office/drawing/2010/main" val="0"/>
+              </a:ext>
+            </a:extLst>
+          </a:blip>
+          <a:srcRect/>
+          <a:stretch>
+            <a:fillRect/>
+          </a:stretch>
+        </p:blipFill>
+        <p:spPr bwMode="auto">
+          <a:xfrm>
+            <a:off x="7738821" y="1573428"/>
+            <a:ext cx="2066925" cy="2619375"/>
+          </a:xfrm>
+          <a:prstGeom prst="rect">
+            <a:avLst/>
+          </a:prstGeom>
+          <a:noFill/>
+          <a:extLst>
+            <a:ext uri="{909E8E84-426E-40DD-AFC4-6F175D3DCCD1}">
+              <a14:hiddenFill xmlns:a14="http://schemas.microsoft.com/office/drawing/2010/main">
+                <a:solidFill>
+                  <a:srgbClr val="FFFFFF"/>
+                </a:solidFill>
+              </a14:hiddenFill>
+            </a:ext>
+          </a:extLst>
+        </p:spPr>
+      </p:pic>
+    </p:spTree>
+    <p:extLst>
+      <p:ext uri="{BB962C8B-B14F-4D97-AF65-F5344CB8AC3E}">
+        <p14:creationId xmlns:p14="http://schemas.microsoft.com/office/powerpoint/2010/main" val="2412548792"/>
+      </p:ext>
+    </p:extLst>
+  </p:cSld>
+  <p:clrMapOvr>
+    <a:masterClrMapping/>
+  </p:clrMapOvr>
+</p:sld>
+</file>
+
+<file path=ppt/slides/slide11.xml><?xml version="1.0" encoding="utf-8"?>
+<p:sld xmlns:a="http://schemas.openxmlformats.org/drawingml/2006/main" xmlns:r="http://schemas.openxmlformats.org/officeDocument/2006/relationships" xmlns:p="http://schemas.openxmlformats.org/presentationml/2006/main">
+  <p:cSld>
+    <p:spTree>
+      <p:nvGrpSpPr>
+        <p:cNvPr id="1" name=""/>
+        <p:cNvGrpSpPr/>
+        <p:nvPr/>
+      </p:nvGrpSpPr>
+      <p:grpSpPr>
+        <a:xfrm>
+          <a:off x="0" y="0"/>
+          <a:ext cx="0" cy="0"/>
+          <a:chOff x="0" y="0"/>
+          <a:chExt cx="0" cy="0"/>
+        </a:xfrm>
+      </p:grpSpPr>
+      <p:sp>
+        <p:nvSpPr>
+          <p:cNvPr id="2" name="Título 1"/>
+          <p:cNvSpPr>
+            <a:spLocks noGrp="1"/>
+          </p:cNvSpPr>
+          <p:nvPr>
+            <p:ph type="title"/>
+          </p:nvPr>
+        </p:nvSpPr>
+        <p:spPr>
+          <a:xfrm>
             <a:off x="329513" y="609600"/>
             <a:ext cx="10000735" cy="1048481"/>
           </a:xfrm>
@@ -6084,187 +6358,6 @@
     <p:extLst>
       <p:ext uri="{BB962C8B-B14F-4D97-AF65-F5344CB8AC3E}">
         <p14:creationId xmlns:p14="http://schemas.microsoft.com/office/powerpoint/2010/main" val="3284008111"/>
-      </p:ext>
-    </p:extLst>
-  </p:cSld>
-  <p:clrMapOvr>
-    <a:masterClrMapping/>
-  </p:clrMapOvr>
-  <p:timing>
-    <p:tnLst>
-      <p:par>
-        <p:cTn id="1" dur="indefinite" restart="never" nodeType="tmRoot"/>
-      </p:par>
-    </p:tnLst>
-  </p:timing>
-</p:sld>
-</file>
-
-<file path=ppt/slides/slide11.xml><?xml version="1.0" encoding="utf-8"?>
-<p:sld xmlns:a="http://schemas.openxmlformats.org/drawingml/2006/main" xmlns:r="http://schemas.openxmlformats.org/officeDocument/2006/relationships" xmlns:p="http://schemas.openxmlformats.org/presentationml/2006/main">
-  <p:cSld>
-    <p:spTree>
-      <p:nvGrpSpPr>
-        <p:cNvPr id="1" name=""/>
-        <p:cNvGrpSpPr/>
-        <p:nvPr/>
-      </p:nvGrpSpPr>
-      <p:grpSpPr>
-        <a:xfrm>
-          <a:off x="0" y="0"/>
-          <a:ext cx="0" cy="0"/>
-          <a:chOff x="0" y="0"/>
-          <a:chExt cx="0" cy="0"/>
-        </a:xfrm>
-      </p:grpSpPr>
-      <p:sp>
-        <p:nvSpPr>
-          <p:cNvPr id="2" name="Título 1"/>
-          <p:cNvSpPr>
-            <a:spLocks noGrp="1"/>
-          </p:cNvSpPr>
-          <p:nvPr>
-            <p:ph type="title"/>
-          </p:nvPr>
-        </p:nvSpPr>
-        <p:spPr>
-          <a:xfrm>
-            <a:off x="304827" y="609600"/>
-            <a:ext cx="10091323" cy="1320800"/>
-          </a:xfrm>
-        </p:spPr>
-        <p:txBody>
-          <a:bodyPr/>
-          <a:lstStyle/>
-          <a:p>
-            <a:pPr algn="ctr"/>
-            <a:r>
-              <a:rPr lang="es-AR" dirty="0"/>
-              <a:t>Escribir </a:t>
-            </a:r>
-            <a:r>
-              <a:rPr lang="es-AR" dirty="0" smtClean="0"/>
-              <a:t>texto – Maquina de Estados</a:t>
-            </a:r>
-            <a:endParaRPr lang="es-AR" dirty="0"/>
-          </a:p>
-        </p:txBody>
-      </p:sp>
-      <p:sp>
-        <p:nvSpPr>
-          <p:cNvPr id="3" name="Marcador de contenido 2"/>
-          <p:cNvSpPr>
-            <a:spLocks noGrp="1"/>
-          </p:cNvSpPr>
-          <p:nvPr>
-            <p:ph sz="half" idx="1"/>
-          </p:nvPr>
-        </p:nvSpPr>
-        <p:spPr>
-          <a:xfrm>
-            <a:off x="304828" y="1930400"/>
-            <a:ext cx="4413994" cy="3880772"/>
-          </a:xfrm>
-        </p:spPr>
-        <p:txBody>
-          <a:bodyPr>
-            <a:normAutofit fontScale="70000" lnSpcReduction="20000"/>
-          </a:bodyPr>
-          <a:lstStyle/>
-          <a:p>
-            <a:pPr fontAlgn="base">
-              <a:lnSpc>
-                <a:spcPct val="170000"/>
-              </a:lnSpc>
-            </a:pPr>
-            <a:r>
-              <a:rPr lang="es-AR" b="1" dirty="0"/>
-              <a:t>Modo Escritura: </a:t>
-            </a:r>
-            <a:r>
-              <a:rPr lang="es-AR" dirty="0"/>
-              <a:t>Luego de seleccionar un carácter se debe confirmar el mismo con la tecla OK.</a:t>
-            </a:r>
-          </a:p>
-          <a:p>
-            <a:pPr fontAlgn="base">
-              <a:lnSpc>
-                <a:spcPct val="170000"/>
-              </a:lnSpc>
-            </a:pPr>
-            <a:r>
-              <a:rPr lang="es-AR" b="1" dirty="0"/>
-              <a:t>Modo Borrado:</a:t>
-            </a:r>
-            <a:r>
-              <a:rPr lang="es-AR" dirty="0"/>
-              <a:t> Si se desea borrar un carácter o más, se debe presionar dos veces ESC, de esta forma se ingresa al modo borrado, para continuar borrando se debe volver a presionar ESC. Para volver al modo escritura, se debe presionar OK nuevamente.</a:t>
-            </a:r>
-          </a:p>
-          <a:p>
-            <a:pPr>
-              <a:lnSpc>
-                <a:spcPct val="170000"/>
-              </a:lnSpc>
-            </a:pPr>
-            <a:r>
-              <a:rPr lang="es-AR" b="1" dirty="0"/>
-              <a:t>Modo Salida: </a:t>
-            </a:r>
-            <a:r>
-              <a:rPr lang="es-AR" dirty="0"/>
-              <a:t>Para volver al menú principal se debe presionar una vez la tecla ESC y confirmar con OK.</a:t>
-            </a:r>
-          </a:p>
-        </p:txBody>
-      </p:sp>
-      <p:pic>
-        <p:nvPicPr>
-          <p:cNvPr id="6148" name="Picture 4" descr="https://lh3.googleusercontent.com/DG8pcLM3GqxHhEN7oIsGmdAq6-GVewq8UeowyFkeMPBVSdLubHbklT4g8EPNicnSzLDPIoe1slDQilyG4v_VkTlC2KbDlTZEDzZ92XdX6DLBQ-AfPcJHx8CC9kkdgHNoBZuw2NaF"/>
-          <p:cNvPicPr>
-            <a:picLocks noGrp="1" noChangeAspect="1" noChangeArrowheads="1"/>
-          </p:cNvPicPr>
-          <p:nvPr>
-            <p:ph sz="half" idx="2"/>
-          </p:nvPr>
-        </p:nvPicPr>
-        <p:blipFill>
-          <a:blip r:embed="rId2">
-            <a:extLst>
-              <a:ext uri="{28A0092B-C50C-407E-A947-70E740481C1C}">
-                <a14:useLocalDpi xmlns:a14="http://schemas.microsoft.com/office/drawing/2010/main" val="0"/>
-              </a:ext>
-            </a:extLst>
-          </a:blip>
-          <a:srcRect/>
-          <a:stretch>
-            <a:fillRect/>
-          </a:stretch>
-        </p:blipFill>
-        <p:spPr bwMode="auto">
-          <a:xfrm>
-            <a:off x="4718822" y="1930400"/>
-            <a:ext cx="4927686" cy="3518424"/>
-          </a:xfrm>
-          <a:prstGeom prst="rect">
-            <a:avLst/>
-          </a:prstGeom>
-          <a:noFill/>
-          <a:extLst>
-            <a:ext uri="{909E8E84-426E-40DD-AFC4-6F175D3DCCD1}">
-              <a14:hiddenFill xmlns:a14="http://schemas.microsoft.com/office/drawing/2010/main">
-                <a:solidFill>
-                  <a:srgbClr val="FFFFFF"/>
-                </a:solidFill>
-              </a14:hiddenFill>
-            </a:ext>
-          </a:extLst>
-        </p:spPr>
-      </p:pic>
-    </p:spTree>
-    <p:extLst>
-      <p:ext uri="{BB962C8B-B14F-4D97-AF65-F5344CB8AC3E}">
-        <p14:creationId xmlns:p14="http://schemas.microsoft.com/office/powerpoint/2010/main" val="2728731741"/>
       </p:ext>
     </p:extLst>
   </p:cSld>
@@ -6310,8 +6403,8 @@
         </p:nvSpPr>
         <p:spPr>
           <a:xfrm>
-            <a:off x="263611" y="609600"/>
-            <a:ext cx="10214919" cy="1320800"/>
+            <a:off x="304827" y="609600"/>
+            <a:ext cx="10091323" cy="1320800"/>
           </a:xfrm>
         </p:spPr>
         <p:txBody>
@@ -6320,8 +6413,12 @@
           <a:p>
             <a:pPr algn="ctr"/>
             <a:r>
+              <a:rPr lang="es-AR" dirty="0"/>
+              <a:t>Escribir </a:t>
+            </a:r>
+            <a:r>
               <a:rPr lang="es-AR" dirty="0" smtClean="0"/>
-              <a:t>Enviar Texto</a:t>
+              <a:t>texto – Maquina de Estados</a:t>
             </a:r>
             <a:endParaRPr lang="es-AR" dirty="0"/>
           </a:p>
@@ -6339,29 +6436,65 @@
         </p:nvSpPr>
         <p:spPr>
           <a:xfrm>
-            <a:off x="677334" y="2160589"/>
-            <a:ext cx="8697325" cy="1447584"/>
-          </a:xfrm>
-        </p:spPr>
-        <p:txBody>
-          <a:bodyPr/>
-          <a:lstStyle/>
+            <a:off x="304828" y="1930400"/>
+            <a:ext cx="4413994" cy="3880772"/>
+          </a:xfrm>
+        </p:spPr>
+        <p:txBody>
+          <a:bodyPr>
+            <a:normAutofit fontScale="70000" lnSpcReduction="20000"/>
+          </a:bodyPr>
+          <a:lstStyle/>
+          <a:p>
+            <a:pPr fontAlgn="base">
+              <a:lnSpc>
+                <a:spcPct val="170000"/>
+              </a:lnSpc>
+            </a:pPr>
+            <a:r>
+              <a:rPr lang="es-AR" b="1" dirty="0"/>
+              <a:t>Modo Escritura: </a:t>
+            </a:r>
+            <a:r>
+              <a:rPr lang="es-AR" dirty="0"/>
+              <a:t>Luego de seleccionar un carácter se debe confirmar el mismo con la tecla OK.</a:t>
+            </a:r>
+          </a:p>
+          <a:p>
+            <a:pPr fontAlgn="base">
+              <a:lnSpc>
+                <a:spcPct val="170000"/>
+              </a:lnSpc>
+            </a:pPr>
+            <a:r>
+              <a:rPr lang="es-AR" b="1" dirty="0"/>
+              <a:t>Modo Borrado:</a:t>
+            </a:r>
+            <a:r>
+              <a:rPr lang="es-AR" dirty="0"/>
+              <a:t> Si se desea borrar un carácter o más, se debe presionar dos veces ESC, de esta forma se ingresa al modo borrado, para continuar borrando se debe volver a presionar ESC. Para volver al modo escritura, se debe presionar OK nuevamente.</a:t>
+            </a:r>
+          </a:p>
           <a:p>
             <a:pPr>
               <a:lnSpc>
-                <a:spcPct val="150000"/>
+                <a:spcPct val="170000"/>
               </a:lnSpc>
             </a:pPr>
             <a:r>
+              <a:rPr lang="es-AR" b="1" dirty="0"/>
+              <a:t>Modo Salida: </a:t>
+            </a:r>
+            <a:r>
               <a:rPr lang="es-AR" dirty="0"/>
-              <a:t>Luego de escribir el texto se debe enviar a la  matriz para poder visualizarlo, En esta función la única acción que puede tomar el usuario es salir de la misma, presionando el botón OK o ESC.</a:t>
+              <a:t>Para volver al menú principal se debe presionar una vez la tecla ESC y confirmar con OK.</a:t>
             </a:r>
           </a:p>
         </p:txBody>
       </p:sp>
       <p:pic>
         <p:nvPicPr>
-          <p:cNvPr id="7170" name="Picture 2" descr="https://lh3.googleusercontent.com/I9ghE8n2x9vacbaBB2tZhTVrOhUhV1FM6CQFV3pwlMgpro5Fygt3XuCGCqAa1o4-IvMQGlFqfTtZsE5W6lik5gOCXe1IfCSobvrPMyuQAcezVyLza2s174S8cTNjWKdTmqg9e7HZ"/>
+          <p:cNvPr id="6148" name="Picture 4" descr="https://lh3.googleusercontent.com/DG8pcLM3GqxHhEN7oIsGmdAq6-GVewq8UeowyFkeMPBVSdLubHbklT4g8EPNicnSzLDPIoe1slDQilyG4v_VkTlC2KbDlTZEDzZ92XdX6DLBQ-AfPcJHx8CC9kkdgHNoBZuw2NaF"/>
           <p:cNvPicPr>
             <a:picLocks noGrp="1" noChangeAspect="1" noChangeArrowheads="1"/>
           </p:cNvPicPr>
@@ -6384,8 +6517,8 @@
         </p:blipFill>
         <p:spPr bwMode="auto">
           <a:xfrm>
-            <a:off x="1204861" y="3906407"/>
-            <a:ext cx="2066925" cy="2619375"/>
+            <a:off x="4718822" y="1930400"/>
+            <a:ext cx="4927686" cy="3518424"/>
           </a:xfrm>
           <a:prstGeom prst="rect">
             <a:avLst/>
@@ -6402,51 +6535,10 @@
           </a:extLst>
         </p:spPr>
       </p:pic>
-      <p:pic>
-        <p:nvPicPr>
-          <p:cNvPr id="7172" name="Picture 4" descr="https://lh4.googleusercontent.com/Mvl2RLV1RsWxKFonp3VoVUde_k0oMsB-8FFnswlQmUE3O3sTkpcbj-vsdXoP84CCXCoOp8YOWtjEnGULS8wR9wkXOeCAtt8NK7RW2rsIs_-oBu6d6O3j1wv_SdKatlko4oLC1lBi"/>
-          <p:cNvPicPr>
-            <a:picLocks noChangeAspect="1" noChangeArrowheads="1"/>
-          </p:cNvPicPr>
-          <p:nvPr/>
-        </p:nvPicPr>
-        <p:blipFill>
-          <a:blip r:embed="rId3">
-            <a:extLst>
-              <a:ext uri="{28A0092B-C50C-407E-A947-70E740481C1C}">
-                <a14:useLocalDpi xmlns:a14="http://schemas.microsoft.com/office/drawing/2010/main" val="0"/>
-              </a:ext>
-            </a:extLst>
-          </a:blip>
-          <a:srcRect/>
-          <a:stretch>
-            <a:fillRect/>
-          </a:stretch>
-        </p:blipFill>
-        <p:spPr bwMode="auto">
-          <a:xfrm>
-            <a:off x="4762756" y="4282643"/>
-            <a:ext cx="4000500" cy="1866901"/>
-          </a:xfrm>
-          <a:prstGeom prst="rect">
-            <a:avLst/>
-          </a:prstGeom>
-          <a:noFill/>
-          <a:extLst>
-            <a:ext uri="{909E8E84-426E-40DD-AFC4-6F175D3DCCD1}">
-              <a14:hiddenFill xmlns:a14="http://schemas.microsoft.com/office/drawing/2010/main">
-                <a:solidFill>
-                  <a:srgbClr val="FFFFFF"/>
-                </a:solidFill>
-              </a14:hiddenFill>
-            </a:ext>
-          </a:extLst>
-        </p:spPr>
-      </p:pic>
     </p:spTree>
     <p:extLst>
       <p:ext uri="{BB962C8B-B14F-4D97-AF65-F5344CB8AC3E}">
-        <p14:creationId xmlns:p14="http://schemas.microsoft.com/office/powerpoint/2010/main" val="4134552009"/>
+        <p14:creationId xmlns:p14="http://schemas.microsoft.com/office/powerpoint/2010/main" val="2728731741"/>
       </p:ext>
     </p:extLst>
   </p:cSld>
@@ -6492,8 +6584,8 @@
         </p:nvSpPr>
         <p:spPr>
           <a:xfrm>
-            <a:off x="238897" y="609600"/>
-            <a:ext cx="10264346" cy="716692"/>
+            <a:off x="172996" y="421706"/>
+            <a:ext cx="9539416" cy="1320800"/>
           </a:xfrm>
         </p:spPr>
         <p:txBody>
@@ -6502,13 +6594,642 @@
           <a:p>
             <a:pPr algn="ctr"/>
             <a:r>
+              <a:rPr lang="es-AR" dirty="0" smtClean="0"/>
+              <a:t>De modo escritura a modo borrado pasando </a:t>
+            </a:r>
+            <a:br>
+              <a:rPr lang="es-AR" dirty="0" smtClean="0"/>
+            </a:br>
+            <a:r>
+              <a:rPr lang="es-AR" dirty="0" smtClean="0"/>
+              <a:t>por modo salida</a:t>
+            </a:r>
+            <a:endParaRPr lang="es-AR" dirty="0"/>
+          </a:p>
+        </p:txBody>
+      </p:sp>
+      <p:pic>
+        <p:nvPicPr>
+          <p:cNvPr id="5" name="Imagen 4"/>
+          <p:cNvPicPr>
+            <a:picLocks noChangeAspect="1"/>
+          </p:cNvPicPr>
+          <p:nvPr/>
+        </p:nvPicPr>
+        <p:blipFill>
+          <a:blip r:embed="rId2"/>
+          <a:stretch>
+            <a:fillRect/>
+          </a:stretch>
+        </p:blipFill>
+        <p:spPr>
+          <a:xfrm>
+            <a:off x="85189" y="2429911"/>
+            <a:ext cx="3184184" cy="1431062"/>
+          </a:xfrm>
+          <a:prstGeom prst="rect">
+            <a:avLst/>
+          </a:prstGeom>
+        </p:spPr>
+      </p:pic>
+      <p:pic>
+        <p:nvPicPr>
+          <p:cNvPr id="6" name="Imagen 5"/>
+          <p:cNvPicPr>
+            <a:picLocks noChangeAspect="1"/>
+          </p:cNvPicPr>
+          <p:nvPr/>
+        </p:nvPicPr>
+        <p:blipFill>
+          <a:blip r:embed="rId3"/>
+          <a:stretch>
+            <a:fillRect/>
+          </a:stretch>
+        </p:blipFill>
+        <p:spPr>
+          <a:xfrm>
+            <a:off x="4431671" y="2427371"/>
+            <a:ext cx="3184182" cy="1431062"/>
+          </a:xfrm>
+          <a:prstGeom prst="rect">
+            <a:avLst/>
+          </a:prstGeom>
+        </p:spPr>
+      </p:pic>
+      <p:pic>
+        <p:nvPicPr>
+          <p:cNvPr id="7" name="Imagen 6"/>
+          <p:cNvPicPr>
+            <a:picLocks noChangeAspect="1"/>
+          </p:cNvPicPr>
+          <p:nvPr/>
+        </p:nvPicPr>
+        <p:blipFill>
+          <a:blip r:embed="rId4"/>
+          <a:stretch>
+            <a:fillRect/>
+          </a:stretch>
+        </p:blipFill>
+        <p:spPr>
+          <a:xfrm>
+            <a:off x="625084" y="4703905"/>
+            <a:ext cx="3186143" cy="1431943"/>
+          </a:xfrm>
+          <a:prstGeom prst="rect">
+            <a:avLst/>
+          </a:prstGeom>
+        </p:spPr>
+      </p:pic>
+      <p:sp>
+        <p:nvSpPr>
+          <p:cNvPr id="10" name="Marcador de contenido 2"/>
+          <p:cNvSpPr>
+            <a:spLocks noGrp="1"/>
+          </p:cNvSpPr>
+          <p:nvPr>
+            <p:ph sz="half" idx="1"/>
+          </p:nvPr>
+        </p:nvSpPr>
+        <p:spPr>
+          <a:xfrm>
+            <a:off x="3824029" y="5065641"/>
+            <a:ext cx="607642" cy="710710"/>
+          </a:xfrm>
+        </p:spPr>
+        <p:txBody>
+          <a:bodyPr>
+            <a:normAutofit/>
+          </a:bodyPr>
+          <a:lstStyle/>
+          <a:p>
+            <a:pPr marL="0" indent="0" fontAlgn="base">
+              <a:lnSpc>
+                <a:spcPct val="170000"/>
+              </a:lnSpc>
+              <a:buNone/>
+            </a:pPr>
+            <a:r>
+              <a:rPr lang="es-AR" dirty="0" smtClean="0"/>
+              <a:t>ESC</a:t>
+            </a:r>
+            <a:endParaRPr lang="es-AR" dirty="0"/>
+          </a:p>
+        </p:txBody>
+      </p:sp>
+      <p:pic>
+        <p:nvPicPr>
+          <p:cNvPr id="11" name="Imagen 10"/>
+          <p:cNvPicPr>
+            <a:picLocks noChangeAspect="1"/>
+          </p:cNvPicPr>
+          <p:nvPr/>
+        </p:nvPicPr>
+        <p:blipFill>
+          <a:blip r:embed="rId5"/>
+          <a:stretch>
+            <a:fillRect/>
+          </a:stretch>
+        </p:blipFill>
+        <p:spPr>
+          <a:xfrm>
+            <a:off x="4424727" y="4703905"/>
+            <a:ext cx="3184182" cy="1431062"/>
+          </a:xfrm>
+          <a:prstGeom prst="rect">
+            <a:avLst/>
+          </a:prstGeom>
+        </p:spPr>
+      </p:pic>
+      <p:pic>
+        <p:nvPicPr>
+          <p:cNvPr id="13" name="Imagen 12"/>
+          <p:cNvPicPr>
+            <a:picLocks noChangeAspect="1"/>
+          </p:cNvPicPr>
+          <p:nvPr/>
+        </p:nvPicPr>
+        <p:blipFill>
+          <a:blip r:embed="rId6"/>
+          <a:stretch>
+            <a:fillRect/>
+          </a:stretch>
+        </p:blipFill>
+        <p:spPr>
+          <a:xfrm>
+            <a:off x="8230439" y="4703905"/>
+            <a:ext cx="3191127" cy="1434183"/>
+          </a:xfrm>
+          <a:prstGeom prst="rect">
+            <a:avLst/>
+          </a:prstGeom>
+        </p:spPr>
+      </p:pic>
+      <p:sp>
+        <p:nvSpPr>
+          <p:cNvPr id="14" name="Marcador de contenido 2"/>
+          <p:cNvSpPr>
+            <a:spLocks noGrp="1"/>
+          </p:cNvSpPr>
+          <p:nvPr>
+            <p:ph sz="half" idx="1"/>
+          </p:nvPr>
+        </p:nvSpPr>
+        <p:spPr>
+          <a:xfrm>
+            <a:off x="7615853" y="5065641"/>
+            <a:ext cx="607642" cy="710710"/>
+          </a:xfrm>
+        </p:spPr>
+        <p:txBody>
+          <a:bodyPr>
+            <a:normAutofit/>
+          </a:bodyPr>
+          <a:lstStyle/>
+          <a:p>
+            <a:pPr marL="0" indent="0" fontAlgn="base">
+              <a:lnSpc>
+                <a:spcPct val="170000"/>
+              </a:lnSpc>
+              <a:buNone/>
+            </a:pPr>
+            <a:r>
+              <a:rPr lang="es-AR" dirty="0" smtClean="0"/>
+              <a:t>ESC</a:t>
+            </a:r>
+            <a:endParaRPr lang="es-AR" dirty="0"/>
+          </a:p>
+        </p:txBody>
+      </p:sp>
+      <p:sp>
+        <p:nvSpPr>
+          <p:cNvPr id="15" name="Marcador de contenido 2"/>
+          <p:cNvSpPr>
+            <a:spLocks noGrp="1"/>
+          </p:cNvSpPr>
+          <p:nvPr>
+            <p:ph sz="half" idx="1"/>
+          </p:nvPr>
+        </p:nvSpPr>
+        <p:spPr>
+          <a:xfrm>
+            <a:off x="3268393" y="2790087"/>
+            <a:ext cx="1163278" cy="710710"/>
+          </a:xfrm>
+        </p:spPr>
+        <p:txBody>
+          <a:bodyPr>
+            <a:normAutofit/>
+          </a:bodyPr>
+          <a:lstStyle/>
+          <a:p>
+            <a:pPr marL="0" indent="0" algn="ctr" fontAlgn="base">
+              <a:lnSpc>
+                <a:spcPct val="170000"/>
+              </a:lnSpc>
+              <a:buNone/>
+            </a:pPr>
+            <a:r>
+              <a:rPr lang="es-AR" dirty="0" smtClean="0"/>
+              <a:t>…</a:t>
+            </a:r>
+            <a:endParaRPr lang="es-AR" dirty="0"/>
+          </a:p>
+        </p:txBody>
+      </p:sp>
+      <p:pic>
+        <p:nvPicPr>
+          <p:cNvPr id="21" name="Imagen 20"/>
+          <p:cNvPicPr>
+            <a:picLocks noChangeAspect="1"/>
+          </p:cNvPicPr>
+          <p:nvPr/>
+        </p:nvPicPr>
+        <p:blipFill>
+          <a:blip r:embed="rId7"/>
+          <a:stretch>
+            <a:fillRect/>
+          </a:stretch>
+        </p:blipFill>
+        <p:spPr>
+          <a:xfrm>
+            <a:off x="8230439" y="2427371"/>
+            <a:ext cx="3184183" cy="1431062"/>
+          </a:xfrm>
+          <a:prstGeom prst="rect">
+            <a:avLst/>
+          </a:prstGeom>
+        </p:spPr>
+      </p:pic>
+      <p:sp>
+        <p:nvSpPr>
+          <p:cNvPr id="22" name="Marcador de contenido 2"/>
+          <p:cNvSpPr>
+            <a:spLocks noGrp="1"/>
+          </p:cNvSpPr>
+          <p:nvPr>
+            <p:ph sz="half" idx="1"/>
+          </p:nvPr>
+        </p:nvSpPr>
+        <p:spPr>
+          <a:xfrm>
+            <a:off x="7615853" y="2787547"/>
+            <a:ext cx="607642" cy="710710"/>
+          </a:xfrm>
+        </p:spPr>
+        <p:txBody>
+          <a:bodyPr>
+            <a:normAutofit/>
+          </a:bodyPr>
+          <a:lstStyle/>
+          <a:p>
+            <a:pPr marL="0" indent="0" fontAlgn="base">
+              <a:lnSpc>
+                <a:spcPct val="170000"/>
+              </a:lnSpc>
+              <a:buNone/>
+            </a:pPr>
+            <a:r>
+              <a:rPr lang="es-AR" dirty="0" smtClean="0"/>
+              <a:t>ESC</a:t>
+            </a:r>
+            <a:endParaRPr lang="es-AR" dirty="0"/>
+          </a:p>
+        </p:txBody>
+      </p:sp>
+      <p:sp>
+        <p:nvSpPr>
+          <p:cNvPr id="23" name="Marcador de contenido 2"/>
+          <p:cNvSpPr>
+            <a:spLocks noGrp="1"/>
+          </p:cNvSpPr>
+          <p:nvPr>
+            <p:ph sz="half" idx="1"/>
+          </p:nvPr>
+        </p:nvSpPr>
+        <p:spPr>
+          <a:xfrm>
+            <a:off x="20914" y="5065641"/>
+            <a:ext cx="607642" cy="710710"/>
+          </a:xfrm>
+        </p:spPr>
+        <p:txBody>
+          <a:bodyPr>
+            <a:normAutofit/>
+          </a:bodyPr>
+          <a:lstStyle/>
+          <a:p>
+            <a:pPr marL="0" indent="0" fontAlgn="base">
+              <a:lnSpc>
+                <a:spcPct val="170000"/>
+              </a:lnSpc>
+              <a:buNone/>
+            </a:pPr>
+            <a:r>
+              <a:rPr lang="es-AR" dirty="0" smtClean="0"/>
+              <a:t>ESC</a:t>
+            </a:r>
+            <a:endParaRPr lang="es-AR" dirty="0"/>
+          </a:p>
+        </p:txBody>
+      </p:sp>
+    </p:spTree>
+    <p:extLst>
+      <p:ext uri="{BB962C8B-B14F-4D97-AF65-F5344CB8AC3E}">
+        <p14:creationId xmlns:p14="http://schemas.microsoft.com/office/powerpoint/2010/main" val="1753454140"/>
+      </p:ext>
+    </p:extLst>
+  </p:cSld>
+  <p:clrMapOvr>
+    <a:masterClrMapping/>
+  </p:clrMapOvr>
+</p:sld>
+</file>
+
+<file path=ppt/slides/slide14.xml><?xml version="1.0" encoding="utf-8"?>
+<p:sld xmlns:a="http://schemas.openxmlformats.org/drawingml/2006/main" xmlns:r="http://schemas.openxmlformats.org/officeDocument/2006/relationships" xmlns:p="http://schemas.openxmlformats.org/presentationml/2006/main">
+  <p:cSld>
+    <p:spTree>
+      <p:nvGrpSpPr>
+        <p:cNvPr id="1" name=""/>
+        <p:cNvGrpSpPr/>
+        <p:nvPr/>
+      </p:nvGrpSpPr>
+      <p:grpSpPr>
+        <a:xfrm>
+          <a:off x="0" y="0"/>
+          <a:ext cx="0" cy="0"/>
+          <a:chOff x="0" y="0"/>
+          <a:chExt cx="0" cy="0"/>
+        </a:xfrm>
+      </p:grpSpPr>
+      <p:sp>
+        <p:nvSpPr>
+          <p:cNvPr id="2" name="Título 1"/>
+          <p:cNvSpPr>
+            <a:spLocks noGrp="1"/>
+          </p:cNvSpPr>
+          <p:nvPr>
+            <p:ph type="title"/>
+          </p:nvPr>
+        </p:nvSpPr>
+        <p:spPr>
+          <a:xfrm>
+            <a:off x="164756" y="922638"/>
+            <a:ext cx="11005751" cy="996778"/>
+          </a:xfrm>
+        </p:spPr>
+        <p:txBody>
+          <a:bodyPr/>
+          <a:lstStyle/>
+          <a:p>
+            <a:pPr algn="ctr"/>
+            <a:r>
+              <a:rPr lang="es-AR" dirty="0" smtClean="0"/>
+              <a:t>De modo escritura a modo salida</a:t>
+            </a:r>
+            <a:endParaRPr lang="es-AR" dirty="0"/>
+          </a:p>
+        </p:txBody>
+      </p:sp>
+      <p:pic>
+        <p:nvPicPr>
+          <p:cNvPr id="5" name="Imagen 4"/>
+          <p:cNvPicPr>
+            <a:picLocks noChangeAspect="1"/>
+          </p:cNvPicPr>
+          <p:nvPr/>
+        </p:nvPicPr>
+        <p:blipFill>
+          <a:blip r:embed="rId2"/>
+          <a:stretch>
+            <a:fillRect/>
+          </a:stretch>
+        </p:blipFill>
+        <p:spPr>
+          <a:xfrm>
+            <a:off x="576649" y="3178618"/>
+            <a:ext cx="3190284" cy="1433804"/>
+          </a:xfrm>
+          <a:prstGeom prst="rect">
+            <a:avLst/>
+          </a:prstGeom>
+        </p:spPr>
+      </p:pic>
+      <p:sp>
+        <p:nvSpPr>
+          <p:cNvPr id="6" name="Marcador de contenido 2"/>
+          <p:cNvSpPr>
+            <a:spLocks noGrp="1"/>
+          </p:cNvSpPr>
+          <p:nvPr>
+            <p:ph sz="half" idx="1"/>
+          </p:nvPr>
+        </p:nvSpPr>
+        <p:spPr>
+          <a:xfrm>
+            <a:off x="69691" y="3540165"/>
+            <a:ext cx="506957" cy="710710"/>
+          </a:xfrm>
+        </p:spPr>
+        <p:txBody>
+          <a:bodyPr>
+            <a:normAutofit/>
+          </a:bodyPr>
+          <a:lstStyle/>
+          <a:p>
+            <a:pPr marL="0" indent="0" fontAlgn="base">
+              <a:lnSpc>
+                <a:spcPct val="170000"/>
+              </a:lnSpc>
+              <a:buNone/>
+            </a:pPr>
+            <a:r>
+              <a:rPr lang="es-AR" dirty="0" smtClean="0"/>
+              <a:t>OK</a:t>
+            </a:r>
+            <a:endParaRPr lang="es-AR" dirty="0"/>
+          </a:p>
+        </p:txBody>
+      </p:sp>
+      <p:pic>
+        <p:nvPicPr>
+          <p:cNvPr id="7" name="Imagen 6"/>
+          <p:cNvPicPr>
+            <a:picLocks noChangeAspect="1"/>
+          </p:cNvPicPr>
+          <p:nvPr/>
+        </p:nvPicPr>
+        <p:blipFill>
+          <a:blip r:embed="rId3"/>
+          <a:stretch>
+            <a:fillRect/>
+          </a:stretch>
+        </p:blipFill>
+        <p:spPr>
+          <a:xfrm>
+            <a:off x="4273890" y="3178618"/>
+            <a:ext cx="3190283" cy="1433804"/>
+          </a:xfrm>
+          <a:prstGeom prst="rect">
+            <a:avLst/>
+          </a:prstGeom>
+        </p:spPr>
+      </p:pic>
+      <p:sp>
+        <p:nvSpPr>
+          <p:cNvPr id="9" name="Marcador de contenido 2"/>
+          <p:cNvSpPr>
+            <a:spLocks noGrp="1"/>
+          </p:cNvSpPr>
+          <p:nvPr>
+            <p:ph sz="half" idx="1"/>
+          </p:nvPr>
+        </p:nvSpPr>
+        <p:spPr>
+          <a:xfrm>
+            <a:off x="3766932" y="3540165"/>
+            <a:ext cx="506957" cy="710710"/>
+          </a:xfrm>
+        </p:spPr>
+        <p:txBody>
+          <a:bodyPr>
+            <a:normAutofit/>
+          </a:bodyPr>
+          <a:lstStyle/>
+          <a:p>
+            <a:pPr marL="0" indent="0" algn="ctr" fontAlgn="base">
+              <a:lnSpc>
+                <a:spcPct val="170000"/>
+              </a:lnSpc>
+              <a:buNone/>
+            </a:pPr>
+            <a:r>
+              <a:rPr lang="es-AR" dirty="0" smtClean="0"/>
+              <a:t>…</a:t>
+            </a:r>
+            <a:endParaRPr lang="es-AR" dirty="0"/>
+          </a:p>
+        </p:txBody>
+      </p:sp>
+      <p:sp>
+        <p:nvSpPr>
+          <p:cNvPr id="10" name="Marcador de contenido 2"/>
+          <p:cNvSpPr>
+            <a:spLocks noGrp="1"/>
+          </p:cNvSpPr>
+          <p:nvPr>
+            <p:ph sz="half" idx="1"/>
+          </p:nvPr>
+        </p:nvSpPr>
+        <p:spPr>
+          <a:xfrm>
+            <a:off x="7464173" y="3540165"/>
+            <a:ext cx="605811" cy="710710"/>
+          </a:xfrm>
+        </p:spPr>
+        <p:txBody>
+          <a:bodyPr>
+            <a:normAutofit/>
+          </a:bodyPr>
+          <a:lstStyle/>
+          <a:p>
+            <a:pPr marL="0" indent="0" algn="ctr" fontAlgn="base">
+              <a:lnSpc>
+                <a:spcPct val="170000"/>
+              </a:lnSpc>
+              <a:buNone/>
+            </a:pPr>
+            <a:r>
               <a:rPr lang="es-AR" dirty="0"/>
-              <a:t>Velocidad Matriz</a:t>
+              <a:t>ESC</a:t>
             </a:r>
             <a:endParaRPr lang="es-AR" dirty="0"/>
           </a:p>
         </p:txBody>
       </p:sp>
+      <p:pic>
+        <p:nvPicPr>
+          <p:cNvPr id="11" name="Imagen 10"/>
+          <p:cNvPicPr>
+            <a:picLocks noChangeAspect="1"/>
+          </p:cNvPicPr>
+          <p:nvPr/>
+        </p:nvPicPr>
+        <p:blipFill>
+          <a:blip r:embed="rId4"/>
+          <a:stretch>
+            <a:fillRect/>
+          </a:stretch>
+        </p:blipFill>
+        <p:spPr>
+          <a:xfrm>
+            <a:off x="8069984" y="3178618"/>
+            <a:ext cx="3190284" cy="1433804"/>
+          </a:xfrm>
+          <a:prstGeom prst="rect">
+            <a:avLst/>
+          </a:prstGeom>
+        </p:spPr>
+      </p:pic>
+    </p:spTree>
+    <p:extLst>
+      <p:ext uri="{BB962C8B-B14F-4D97-AF65-F5344CB8AC3E}">
+        <p14:creationId xmlns:p14="http://schemas.microsoft.com/office/powerpoint/2010/main" val="2695501092"/>
+      </p:ext>
+    </p:extLst>
+  </p:cSld>
+  <p:clrMapOvr>
+    <a:masterClrMapping/>
+  </p:clrMapOvr>
+</p:sld>
+</file>
+
+<file path=ppt/slides/slide15.xml><?xml version="1.0" encoding="utf-8"?>
+<p:sld xmlns:a="http://schemas.openxmlformats.org/drawingml/2006/main" xmlns:r="http://schemas.openxmlformats.org/officeDocument/2006/relationships" xmlns:p="http://schemas.openxmlformats.org/presentationml/2006/main">
+  <p:cSld>
+    <p:spTree>
+      <p:nvGrpSpPr>
+        <p:cNvPr id="1" name=""/>
+        <p:cNvGrpSpPr/>
+        <p:nvPr/>
+      </p:nvGrpSpPr>
+      <p:grpSpPr>
+        <a:xfrm>
+          <a:off x="0" y="0"/>
+          <a:ext cx="0" cy="0"/>
+          <a:chOff x="0" y="0"/>
+          <a:chExt cx="0" cy="0"/>
+        </a:xfrm>
+      </p:grpSpPr>
+      <p:sp>
+        <p:nvSpPr>
+          <p:cNvPr id="2" name="Título 1"/>
+          <p:cNvSpPr>
+            <a:spLocks noGrp="1"/>
+          </p:cNvSpPr>
+          <p:nvPr>
+            <p:ph type="title"/>
+          </p:nvPr>
+        </p:nvSpPr>
+        <p:spPr>
+          <a:xfrm>
+            <a:off x="263611" y="609600"/>
+            <a:ext cx="10214919" cy="1320800"/>
+          </a:xfrm>
+        </p:spPr>
+        <p:txBody>
+          <a:bodyPr/>
+          <a:lstStyle/>
+          <a:p>
+            <a:pPr algn="ctr"/>
+            <a:r>
+              <a:rPr lang="es-AR" dirty="0" smtClean="0"/>
+              <a:t>Enviar Texto</a:t>
+            </a:r>
+            <a:endParaRPr lang="es-AR" dirty="0"/>
+          </a:p>
+        </p:txBody>
+      </p:sp>
       <p:sp>
         <p:nvSpPr>
           <p:cNvPr id="3" name="Marcador de contenido 2"/>
@@ -6521,8 +7242,8 @@
         </p:nvSpPr>
         <p:spPr>
           <a:xfrm>
-            <a:off x="140043" y="2160589"/>
-            <a:ext cx="7191633" cy="3880772"/>
+            <a:off x="263612" y="2160589"/>
+            <a:ext cx="9489988" cy="1447584"/>
           </a:xfrm>
         </p:spPr>
         <p:txBody>
@@ -6536,47 +7257,14 @@
             </a:pPr>
             <a:r>
               <a:rPr lang="es-AR" dirty="0"/>
-              <a:t>Este menú permite configurar la velocidad de desplazamiento de la matriz, se </a:t>
-            </a:r>
-            <a:r>
-              <a:rPr lang="es-AR" dirty="0" smtClean="0"/>
-              <a:t>aumenta o disminuye la </a:t>
-            </a:r>
-            <a:r>
-              <a:rPr lang="es-AR" dirty="0"/>
-              <a:t>velocidad con los pulsadores </a:t>
-            </a:r>
-            <a:r>
-              <a:rPr lang="es-AR" dirty="0" smtClean="0"/>
-              <a:t>6 </a:t>
-            </a:r>
-            <a:r>
-              <a:rPr lang="es-AR" dirty="0"/>
-              <a:t>y </a:t>
-            </a:r>
-            <a:r>
-              <a:rPr lang="es-AR" dirty="0" smtClean="0"/>
-              <a:t>4 </a:t>
-            </a:r>
-            <a:r>
-              <a:rPr lang="es-AR" dirty="0"/>
-              <a:t>respectivamente, y se sale </a:t>
-            </a:r>
-            <a:r>
-              <a:rPr lang="es-AR" dirty="0" smtClean="0"/>
-              <a:t>de la función con </a:t>
-            </a:r>
-            <a:r>
-              <a:rPr lang="es-AR" dirty="0"/>
-              <a:t>los pulsadores OK o ESC.</a:t>
-            </a:r>
-            <a:endParaRPr lang="es-AR" dirty="0"/>
+              <a:t>Luego de escribir el texto se debe enviar a la  matriz para poder visualizarlo, En esta función la única acción que puede tomar el usuario es salir de la misma, presionando el botón OK o ESC.</a:t>
+            </a:r>
           </a:p>
         </p:txBody>
       </p:sp>
       <p:pic>
         <p:nvPicPr>
-          <p:cNvPr id="1026" name="Picture 2" descr="https://lh3.googleusercontent.com/mevgOse1oSEat6AoihzrJu3dh0P4qmsCo60gtBLI9odyXxLRAMzAnAu_Dccpi1ZHbwTtKma-Lr42crJoxRQ05mFB-H6j9QdRMnTp0SXzu-L-N09uodjSzJ4SRQC6EOdUPfhpUZb3"/>
+          <p:cNvPr id="7170" name="Picture 2" descr="https://lh3.googleusercontent.com/I9ghE8n2x9vacbaBB2tZhTVrOhUhV1FM6CQFV3pwlMgpro5Fygt3XuCGCqAa1o4-IvMQGlFqfTtZsE5W6lik5gOCXe1IfCSobvrPMyuQAcezVyLza2s174S8cTNjWKdTmqg9e7HZ"/>
           <p:cNvPicPr>
             <a:picLocks noGrp="1" noChangeAspect="1" noChangeArrowheads="1"/>
           </p:cNvPicPr>
@@ -6599,7 +7287,7 @@
         </p:blipFill>
         <p:spPr bwMode="auto">
           <a:xfrm>
-            <a:off x="7478926" y="2160589"/>
+            <a:off x="6155801" y="3906403"/>
             <a:ext cx="2066925" cy="2619375"/>
           </a:xfrm>
           <a:prstGeom prst="rect">
@@ -6617,6 +7305,279 @@
           </a:extLst>
         </p:spPr>
       </p:pic>
+      <p:pic>
+        <p:nvPicPr>
+          <p:cNvPr id="6" name="Imagen 5"/>
+          <p:cNvPicPr>
+            <a:picLocks noChangeAspect="1"/>
+          </p:cNvPicPr>
+          <p:nvPr/>
+        </p:nvPicPr>
+        <p:blipFill>
+          <a:blip r:embed="rId3"/>
+          <a:stretch>
+            <a:fillRect/>
+          </a:stretch>
+        </p:blipFill>
+        <p:spPr>
+          <a:xfrm>
+            <a:off x="1010160" y="4499188"/>
+            <a:ext cx="3190284" cy="1433804"/>
+          </a:xfrm>
+          <a:prstGeom prst="rect">
+            <a:avLst/>
+          </a:prstGeom>
+        </p:spPr>
+      </p:pic>
+    </p:spTree>
+    <p:extLst>
+      <p:ext uri="{BB962C8B-B14F-4D97-AF65-F5344CB8AC3E}">
+        <p14:creationId xmlns:p14="http://schemas.microsoft.com/office/powerpoint/2010/main" val="4134552009"/>
+      </p:ext>
+    </p:extLst>
+  </p:cSld>
+  <p:clrMapOvr>
+    <a:masterClrMapping/>
+  </p:clrMapOvr>
+  <p:timing>
+    <p:tnLst>
+      <p:par>
+        <p:cTn id="1" dur="indefinite" restart="never" nodeType="tmRoot"/>
+      </p:par>
+    </p:tnLst>
+  </p:timing>
+</p:sld>
+</file>
+
+<file path=ppt/slides/slide16.xml><?xml version="1.0" encoding="utf-8"?>
+<p:sld xmlns:a="http://schemas.openxmlformats.org/drawingml/2006/main" xmlns:r="http://schemas.openxmlformats.org/officeDocument/2006/relationships" xmlns:p="http://schemas.openxmlformats.org/presentationml/2006/main">
+  <p:cSld>
+    <p:spTree>
+      <p:nvGrpSpPr>
+        <p:cNvPr id="1" name=""/>
+        <p:cNvGrpSpPr/>
+        <p:nvPr/>
+      </p:nvGrpSpPr>
+      <p:grpSpPr>
+        <a:xfrm>
+          <a:off x="0" y="0"/>
+          <a:ext cx="0" cy="0"/>
+          <a:chOff x="0" y="0"/>
+          <a:chExt cx="0" cy="0"/>
+        </a:xfrm>
+      </p:grpSpPr>
+      <p:sp>
+        <p:nvSpPr>
+          <p:cNvPr id="2" name="Título 1"/>
+          <p:cNvSpPr>
+            <a:spLocks noGrp="1"/>
+          </p:cNvSpPr>
+          <p:nvPr>
+            <p:ph type="title"/>
+          </p:nvPr>
+        </p:nvSpPr>
+        <p:spPr>
+          <a:xfrm>
+            <a:off x="238897" y="609600"/>
+            <a:ext cx="10264346" cy="716692"/>
+          </a:xfrm>
+        </p:spPr>
+        <p:txBody>
+          <a:bodyPr/>
+          <a:lstStyle/>
+          <a:p>
+            <a:pPr algn="ctr"/>
+            <a:r>
+              <a:rPr lang="es-AR" dirty="0"/>
+              <a:t>Velocidad Matriz</a:t>
+            </a:r>
+          </a:p>
+        </p:txBody>
+      </p:sp>
+      <p:sp>
+        <p:nvSpPr>
+          <p:cNvPr id="3" name="Marcador de contenido 2"/>
+          <p:cNvSpPr>
+            <a:spLocks noGrp="1"/>
+          </p:cNvSpPr>
+          <p:nvPr>
+            <p:ph sz="half" idx="1"/>
+          </p:nvPr>
+        </p:nvSpPr>
+        <p:spPr>
+          <a:xfrm>
+            <a:off x="156519" y="1822837"/>
+            <a:ext cx="7191633" cy="1958331"/>
+          </a:xfrm>
+        </p:spPr>
+        <p:txBody>
+          <a:bodyPr/>
+          <a:lstStyle/>
+          <a:p>
+            <a:pPr>
+              <a:lnSpc>
+                <a:spcPct val="150000"/>
+              </a:lnSpc>
+            </a:pPr>
+            <a:r>
+              <a:rPr lang="es-AR" dirty="0"/>
+              <a:t>Este menú permite configurar la velocidad de desplazamiento de la matriz, se </a:t>
+            </a:r>
+            <a:r>
+              <a:rPr lang="es-AR" dirty="0" smtClean="0"/>
+              <a:t>aumenta o disminuye la </a:t>
+            </a:r>
+            <a:r>
+              <a:rPr lang="es-AR" dirty="0"/>
+              <a:t>velocidad con los pulsadores </a:t>
+            </a:r>
+            <a:r>
+              <a:rPr lang="es-AR" dirty="0" smtClean="0"/>
+              <a:t>6 </a:t>
+            </a:r>
+            <a:r>
+              <a:rPr lang="es-AR" dirty="0"/>
+              <a:t>y </a:t>
+            </a:r>
+            <a:r>
+              <a:rPr lang="es-AR" dirty="0" smtClean="0"/>
+              <a:t>4 </a:t>
+            </a:r>
+            <a:r>
+              <a:rPr lang="es-AR" dirty="0"/>
+              <a:t>respectivamente, y se sale </a:t>
+            </a:r>
+            <a:r>
+              <a:rPr lang="es-AR" dirty="0" smtClean="0"/>
+              <a:t>de la función con </a:t>
+            </a:r>
+            <a:r>
+              <a:rPr lang="es-AR" dirty="0"/>
+              <a:t>los pulsadores OK o ESC.</a:t>
+            </a:r>
+          </a:p>
+        </p:txBody>
+      </p:sp>
+      <p:pic>
+        <p:nvPicPr>
+          <p:cNvPr id="1026" name="Picture 2" descr="https://lh3.googleusercontent.com/mevgOse1oSEat6AoihzrJu3dh0P4qmsCo60gtBLI9odyXxLRAMzAnAu_Dccpi1ZHbwTtKma-Lr42crJoxRQ05mFB-H6j9QdRMnTp0SXzu-L-N09uodjSzJ4SRQC6EOdUPfhpUZb3"/>
+          <p:cNvPicPr>
+            <a:picLocks noGrp="1" noChangeAspect="1" noChangeArrowheads="1"/>
+          </p:cNvPicPr>
+          <p:nvPr>
+            <p:ph sz="half" idx="2"/>
+          </p:nvPr>
+        </p:nvPicPr>
+        <p:blipFill>
+          <a:blip r:embed="rId2">
+            <a:extLst>
+              <a:ext uri="{28A0092B-C50C-407E-A947-70E740481C1C}">
+                <a14:useLocalDpi xmlns:a14="http://schemas.microsoft.com/office/drawing/2010/main" val="0"/>
+              </a:ext>
+            </a:extLst>
+          </a:blip>
+          <a:srcRect/>
+          <a:stretch>
+            <a:fillRect/>
+          </a:stretch>
+        </p:blipFill>
+        <p:spPr bwMode="auto">
+          <a:xfrm>
+            <a:off x="7503640" y="1822837"/>
+            <a:ext cx="2066925" cy="2619375"/>
+          </a:xfrm>
+          <a:prstGeom prst="rect">
+            <a:avLst/>
+          </a:prstGeom>
+          <a:noFill/>
+          <a:extLst>
+            <a:ext uri="{909E8E84-426E-40DD-AFC4-6F175D3DCCD1}">
+              <a14:hiddenFill xmlns:a14="http://schemas.microsoft.com/office/drawing/2010/main">
+                <a:solidFill>
+                  <a:srgbClr val="FFFFFF"/>
+                </a:solidFill>
+              </a14:hiddenFill>
+            </a:ext>
+          </a:extLst>
+        </p:spPr>
+      </p:pic>
+      <p:pic>
+        <p:nvPicPr>
+          <p:cNvPr id="5" name="Imagen 4"/>
+          <p:cNvPicPr>
+            <a:picLocks noChangeAspect="1"/>
+          </p:cNvPicPr>
+          <p:nvPr/>
+        </p:nvPicPr>
+        <p:blipFill>
+          <a:blip r:embed="rId3"/>
+          <a:stretch>
+            <a:fillRect/>
+          </a:stretch>
+        </p:blipFill>
+        <p:spPr>
+          <a:xfrm>
+            <a:off x="784473" y="4742549"/>
+            <a:ext cx="3190284" cy="1433804"/>
+          </a:xfrm>
+          <a:prstGeom prst="rect">
+            <a:avLst/>
+          </a:prstGeom>
+        </p:spPr>
+      </p:pic>
+      <p:pic>
+        <p:nvPicPr>
+          <p:cNvPr id="6" name="Imagen 5"/>
+          <p:cNvPicPr>
+            <a:picLocks noChangeAspect="1"/>
+          </p:cNvPicPr>
+          <p:nvPr/>
+        </p:nvPicPr>
+        <p:blipFill>
+          <a:blip r:embed="rId4"/>
+          <a:stretch>
+            <a:fillRect/>
+          </a:stretch>
+        </p:blipFill>
+        <p:spPr>
+          <a:xfrm>
+            <a:off x="4761471" y="4742549"/>
+            <a:ext cx="3190285" cy="1433805"/>
+          </a:xfrm>
+          <a:prstGeom prst="rect">
+            <a:avLst/>
+          </a:prstGeom>
+        </p:spPr>
+      </p:pic>
+      <p:sp>
+        <p:nvSpPr>
+          <p:cNvPr id="4" name="Rectángulo 3"/>
+          <p:cNvSpPr/>
+          <p:nvPr/>
+        </p:nvSpPr>
+        <p:spPr>
+          <a:xfrm>
+            <a:off x="3974757" y="5274785"/>
+            <a:ext cx="786714" cy="369332"/>
+          </a:xfrm>
+          <a:prstGeom prst="rect">
+            <a:avLst/>
+          </a:prstGeom>
+        </p:spPr>
+        <p:txBody>
+          <a:bodyPr wrap="square">
+            <a:spAutoFit/>
+          </a:bodyPr>
+          <a:lstStyle/>
+          <a:p>
+            <a:pPr algn="ctr"/>
+            <a:r>
+              <a:rPr lang="es-AR" dirty="0"/>
+              <a:t>-&gt;</a:t>
+            </a:r>
+          </a:p>
+        </p:txBody>
+      </p:sp>
     </p:spTree>
     <p:extLst>
       <p:ext uri="{BB962C8B-B14F-4D97-AF65-F5344CB8AC3E}">
@@ -6637,7 +7598,7 @@
 </p:sld>
 </file>
 
-<file path=ppt/slides/slide14.xml><?xml version="1.0" encoding="utf-8"?>
+<file path=ppt/slides/slide17.xml><?xml version="1.0" encoding="utf-8"?>
 <p:sld xmlns:a="http://schemas.openxmlformats.org/drawingml/2006/main" xmlns:r="http://schemas.openxmlformats.org/officeDocument/2006/relationships" xmlns:p="http://schemas.openxmlformats.org/presentationml/2006/main">
   <p:cSld>
     <p:spTree>
@@ -6666,7 +7627,7 @@
         </p:nvSpPr>
         <p:spPr>
           <a:xfrm>
-            <a:off x="1663586" y="2875004"/>
+            <a:off x="1704775" y="2734960"/>
             <a:ext cx="7766936" cy="846317"/>
           </a:xfrm>
         </p:spPr>
@@ -7984,8 +8945,13 @@
             <a:pPr algn="ctr"/>
             <a:r>
               <a:rPr lang="es-AR" dirty="0"/>
-              <a:t>Menú de la interfaz</a:t>
-            </a:r>
+              <a:t>Menú </a:t>
+            </a:r>
+            <a:r>
+              <a:rPr lang="es-AR" dirty="0" smtClean="0"/>
+              <a:t>de la interfaz</a:t>
+            </a:r>
+            <a:endParaRPr lang="es-AR" dirty="0"/>
           </a:p>
         </p:txBody>
       </p:sp>
@@ -8001,8 +8967,8 @@
         </p:nvSpPr>
         <p:spPr>
           <a:xfrm>
-            <a:off x="677334" y="2160589"/>
-            <a:ext cx="9158644" cy="1834762"/>
+            <a:off x="385153" y="1838175"/>
+            <a:ext cx="9557001" cy="1440484"/>
           </a:xfrm>
         </p:spPr>
         <p:txBody>
@@ -8028,19 +8994,20 @@
             </a:r>
             <a:r>
               <a:rPr lang="es-AR" dirty="0"/>
-              <a:t>de encender la placa, aparecerá un mensaje de bienvenida, seguida del menú principal que permitirá al usuario moverse por las funciones con las flechitas, y seleccionar una con la tecla OK</a:t>
+              <a:t>de encender la placa, aparecerá un mensaje de </a:t>
             </a:r>
             <a:r>
               <a:rPr lang="es-AR" dirty="0" smtClean="0"/>
-              <a:t>.</a:t>
-            </a:r>
-          </a:p>
-          <a:p>
-            <a:pPr>
-              <a:lnSpc>
-                <a:spcPct val="150000"/>
-              </a:lnSpc>
-            </a:pPr>
+              <a:t>bienvenida  durante algunos segundos, seguido </a:t>
+            </a:r>
+            <a:r>
+              <a:rPr lang="es-AR" dirty="0"/>
+              <a:t>del menú principal que permitirá al usuario moverse </a:t>
+            </a:r>
+            <a:r>
+              <a:rPr lang="es-AR" dirty="0" smtClean="0"/>
+              <a:t>entre las funciones básicas del sistema.</a:t>
+            </a:r>
             <a:endParaRPr lang="es-AR" dirty="0"/>
           </a:p>
           <a:p>
@@ -8053,86 +9020,26 @@
       </p:sp>
       <p:pic>
         <p:nvPicPr>
-          <p:cNvPr id="3074" name="Picture 2" descr="https://lh3.googleusercontent.com/l2tTZUJbtH2LTW8fVUfTtU5uK5A-EpDKM32dWstDeZH6it3CuLCY-xSrg0NIa5kdqr5y5Ole9MJ-9ylyhnoWXMT4sbXE1GGMyxo0VGAxe-4O2KLTlGSG6peFq3O2w9m18G4Eo_ZK"/>
+          <p:cNvPr id="4" name="Imagen 3"/>
           <p:cNvPicPr>
-            <a:picLocks noGrp="1" noChangeAspect="1" noChangeArrowheads="1"/>
+            <a:picLocks noChangeAspect="1"/>
           </p:cNvPicPr>
-          <p:nvPr>
-            <p:ph sz="half" idx="2"/>
-          </p:nvPr>
+          <p:nvPr/>
         </p:nvPicPr>
         <p:blipFill>
-          <a:blip r:embed="rId2">
-            <a:extLst>
-              <a:ext uri="{28A0092B-C50C-407E-A947-70E740481C1C}">
-                <a14:useLocalDpi xmlns:a14="http://schemas.microsoft.com/office/drawing/2010/main" val="0"/>
-              </a:ext>
-            </a:extLst>
-          </a:blip>
-          <a:srcRect/>
+          <a:blip r:embed="rId2"/>
           <a:stretch>
             <a:fillRect/>
           </a:stretch>
         </p:blipFill>
-        <p:spPr bwMode="auto">
-          <a:xfrm>
-            <a:off x="1438787" y="3995351"/>
-            <a:ext cx="1955202" cy="2477790"/>
+        <p:spPr>
+          <a:xfrm>
+            <a:off x="3572737" y="4101304"/>
+            <a:ext cx="3181832" cy="1430006"/>
           </a:xfrm>
           <a:prstGeom prst="rect">
             <a:avLst/>
           </a:prstGeom>
-          <a:noFill/>
-          <a:extLst>
-            <a:ext uri="{909E8E84-426E-40DD-AFC4-6F175D3DCCD1}">
-              <a14:hiddenFill xmlns:a14="http://schemas.microsoft.com/office/drawing/2010/main">
-                <a:solidFill>
-                  <a:srgbClr val="FFFFFF"/>
-                </a:solidFill>
-              </a14:hiddenFill>
-            </a:ext>
-          </a:extLst>
-        </p:spPr>
-      </p:pic>
-      <p:pic>
-        <p:nvPicPr>
-          <p:cNvPr id="3076" name="Picture 4" descr="https://lh6.googleusercontent.com/_Q8i83hxlsSH90CsY_userTEx0aFq0SpGpI4h2SN71DDtSO1dS_zhio9qAW3KBpqr90AxAHWSs0TAxBZRBRCAo1omDLI9H9SnEBoAm9Yl_bdto6xhVlLYBxJXMutIfPQUafvxBmu"/>
-          <p:cNvPicPr>
-            <a:picLocks noChangeAspect="1" noChangeArrowheads="1"/>
-          </p:cNvPicPr>
-          <p:nvPr/>
-        </p:nvPicPr>
-        <p:blipFill>
-          <a:blip r:embed="rId3">
-            <a:extLst>
-              <a:ext uri="{28A0092B-C50C-407E-A947-70E740481C1C}">
-                <a14:useLocalDpi xmlns:a14="http://schemas.microsoft.com/office/drawing/2010/main" val="0"/>
-              </a:ext>
-            </a:extLst>
-          </a:blip>
-          <a:srcRect/>
-          <a:stretch>
-            <a:fillRect/>
-          </a:stretch>
-        </p:blipFill>
-        <p:spPr bwMode="auto">
-          <a:xfrm>
-            <a:off x="4489622" y="3995351"/>
-            <a:ext cx="4238896" cy="2119448"/>
-          </a:xfrm>
-          <a:prstGeom prst="rect">
-            <a:avLst/>
-          </a:prstGeom>
-          <a:noFill/>
-          <a:extLst>
-            <a:ext uri="{909E8E84-426E-40DD-AFC4-6F175D3DCCD1}">
-              <a14:hiddenFill xmlns:a14="http://schemas.microsoft.com/office/drawing/2010/main">
-                <a:solidFill>
-                  <a:srgbClr val="FFFFFF"/>
-                </a:solidFill>
-              </a14:hiddenFill>
-            </a:ext>
-          </a:extLst>
         </p:spPr>
       </p:pic>
     </p:spTree>
